--- a/S3.1_WindowsInstallation.pptx
+++ b/S3.1_WindowsInstallation.pptx
@@ -3244,6 +3244,94 @@
 </p:notes>
 </file>
 
+<file path=ppt/notesSlides/notesSlide10.xml><?xml version="1.0" encoding="utf-8"?>
+<p:notes xmlns:a="http://schemas.openxmlformats.org/drawingml/2006/main" xmlns:r="http://schemas.openxmlformats.org/officeDocument/2006/relationships" xmlns:p="http://schemas.openxmlformats.org/presentationml/2006/main">
+  <p:cSld>
+    <p:spTree>
+      <p:nvGrpSpPr>
+        <p:cNvPr id="1" name=""/>
+        <p:cNvGrpSpPr/>
+        <p:nvPr/>
+      </p:nvGrpSpPr>
+      <p:grpSpPr>
+        <a:xfrm>
+          <a:off x="0" y="0"/>
+          <a:ext cx="0" cy="0"/>
+          <a:chOff x="0" y="0"/>
+          <a:chExt cx="0" cy="0"/>
+        </a:xfrm>
+      </p:grpSpPr>
+      <p:sp>
+        <p:nvSpPr>
+          <p:cNvPr id="2" name="Slide Image Placeholder 1"/>
+          <p:cNvSpPr>
+            <a:spLocks noGrp="1" noRot="1" noChangeAspect="1"/>
+          </p:cNvSpPr>
+          <p:nvPr>
+            <p:ph type="sldImg"/>
+          </p:nvPr>
+        </p:nvSpPr>
+        <p:spPr/>
+      </p:sp>
+      <p:sp>
+        <p:nvSpPr>
+          <p:cNvPr id="3" name="Notes Placeholder 2"/>
+          <p:cNvSpPr>
+            <a:spLocks noGrp="1"/>
+          </p:cNvSpPr>
+          <p:nvPr>
+            <p:ph type="body" idx="1"/>
+          </p:nvPr>
+        </p:nvSpPr>
+        <p:spPr/>
+        <p:txBody>
+          <a:bodyPr/>
+          <a:lstStyle/>
+          <a:p>
+            <a:pPr marL="0" indent="0">
+              <a:buFont typeface="Wingdings"/>
+              <a:buNone/>
+            </a:pPr>
+            <a:endParaRPr lang="en-US" sz="1600" dirty="0"/>
+          </a:p>
+        </p:txBody>
+      </p:sp>
+      <p:sp>
+        <p:nvSpPr>
+          <p:cNvPr id="4" name="Slide Number Placeholder 3"/>
+          <p:cNvSpPr>
+            <a:spLocks noGrp="1"/>
+          </p:cNvSpPr>
+          <p:nvPr>
+            <p:ph type="sldNum" sz="quarter" idx="10"/>
+          </p:nvPr>
+        </p:nvSpPr>
+        <p:spPr/>
+        <p:txBody>
+          <a:bodyPr/>
+          <a:lstStyle/>
+          <a:p>
+            <a:fld id="{86E298D3-FAEC-4429-BBB2-6E24FE792F56}" type="slidenum">
+              <a:rPr lang="en-US" smtClean="0"/>
+              <a:t>27</a:t>
+            </a:fld>
+            <a:endParaRPr lang="en-US" dirty="0"/>
+          </a:p>
+        </p:txBody>
+      </p:sp>
+    </p:spTree>
+    <p:extLst>
+      <p:ext uri="{BB962C8B-B14F-4D97-AF65-F5344CB8AC3E}">
+        <p14:creationId xmlns:p14="http://schemas.microsoft.com/office/powerpoint/2010/main" val="2064080140"/>
+      </p:ext>
+    </p:extLst>
+  </p:cSld>
+  <p:clrMapOvr>
+    <a:masterClrMapping/>
+  </p:clrMapOvr>
+</p:notes>
+</file>
+
 <file path=ppt/notesSlides/notesSlide2.xml><?xml version="1.0" encoding="utf-8"?>
 <p:notes xmlns:a="http://schemas.openxmlformats.org/drawingml/2006/main" xmlns:r="http://schemas.openxmlformats.org/officeDocument/2006/relationships" xmlns:p="http://schemas.openxmlformats.org/presentationml/2006/main">
   <p:cSld>
@@ -3627,7 +3715,17 @@
           <a:p>
             <a:r>
               <a:rPr lang="en-US" dirty="0" smtClean="0"/>
-              <a:t>-- old screenshot, versions are now 1.1.</a:t>
+              <a:t>-- must be running with</a:t>
+            </a:r>
+            <a:r>
+              <a:rPr lang="en-US" baseline="0" dirty="0" smtClean="0"/>
+              <a:t> administrator privilege to have install add PATH </a:t>
+            </a:r>
+          </a:p>
+          <a:p>
+            <a:r>
+              <a:rPr lang="en-US" baseline="0" dirty="0" smtClean="0"/>
+              <a:t>-- still must have admin to add it later</a:t>
             </a:r>
             <a:endParaRPr lang="en-US" dirty="0"/>
           </a:p>
@@ -3650,7 +3748,7 @@
           <a:p>
             <a:fld id="{86E298D3-FAEC-4429-BBB2-6E24FE792F56}" type="slidenum">
               <a:rPr lang="en-US" smtClean="0"/>
-              <a:t>12</a:t>
+              <a:t>7</a:t>
             </a:fld>
             <a:endParaRPr lang="en-US" dirty="0"/>
           </a:p>
@@ -3659,7 +3757,7 @@
     </p:spTree>
     <p:extLst>
       <p:ext uri="{BB962C8B-B14F-4D97-AF65-F5344CB8AC3E}">
-        <p14:creationId xmlns:p14="http://schemas.microsoft.com/office/powerpoint/2010/main" val="681704179"/>
+        <p14:creationId xmlns:p14="http://schemas.microsoft.com/office/powerpoint/2010/main" val="436824882"/>
       </p:ext>
     </p:extLst>
   </p:cSld>
@@ -3713,11 +3811,11 @@
           <a:bodyPr/>
           <a:lstStyle/>
           <a:p>
-            <a:pPr marL="0" indent="0">
-              <a:buFont typeface="Wingdings"/>
-              <a:buNone/>
-            </a:pPr>
-            <a:endParaRPr lang="en-US" sz="1600" dirty="0"/>
+            <a:r>
+              <a:rPr lang="en-US" dirty="0" smtClean="0"/>
+              <a:t>-- old screenshot, versions are now 1.1.</a:t>
+            </a:r>
+            <a:endParaRPr lang="en-US" dirty="0"/>
           </a:p>
         </p:txBody>
       </p:sp>
@@ -3738,7 +3836,7 @@
           <a:p>
             <a:fld id="{86E298D3-FAEC-4429-BBB2-6E24FE792F56}" type="slidenum">
               <a:rPr lang="en-US" smtClean="0"/>
-              <a:t>27</a:t>
+              <a:t>12</a:t>
             </a:fld>
             <a:endParaRPr lang="en-US" dirty="0"/>
           </a:p>
@@ -3747,7 +3845,288 @@
     </p:spTree>
     <p:extLst>
       <p:ext uri="{BB962C8B-B14F-4D97-AF65-F5344CB8AC3E}">
-        <p14:creationId xmlns:p14="http://schemas.microsoft.com/office/powerpoint/2010/main" val="2064080140"/>
+        <p14:creationId xmlns:p14="http://schemas.microsoft.com/office/powerpoint/2010/main" val="681704179"/>
+      </p:ext>
+    </p:extLst>
+  </p:cSld>
+  <p:clrMapOvr>
+    <a:masterClrMapping/>
+  </p:clrMapOvr>
+</p:notes>
+</file>
+
+<file path=ppt/notesSlides/notesSlide7.xml><?xml version="1.0" encoding="utf-8"?>
+<p:notes xmlns:a="http://schemas.openxmlformats.org/drawingml/2006/main" xmlns:r="http://schemas.openxmlformats.org/officeDocument/2006/relationships" xmlns:p="http://schemas.openxmlformats.org/presentationml/2006/main">
+  <p:cSld>
+    <p:spTree>
+      <p:nvGrpSpPr>
+        <p:cNvPr id="1" name=""/>
+        <p:cNvGrpSpPr/>
+        <p:nvPr/>
+      </p:nvGrpSpPr>
+      <p:grpSpPr>
+        <a:xfrm>
+          <a:off x="0" y="0"/>
+          <a:ext cx="0" cy="0"/>
+          <a:chOff x="0" y="0"/>
+          <a:chExt cx="0" cy="0"/>
+        </a:xfrm>
+      </p:grpSpPr>
+      <p:sp>
+        <p:nvSpPr>
+          <p:cNvPr id="2" name="Slide Image Placeholder 1"/>
+          <p:cNvSpPr>
+            <a:spLocks noGrp="1" noRot="1" noChangeAspect="1"/>
+          </p:cNvSpPr>
+          <p:nvPr>
+            <p:ph type="sldImg"/>
+          </p:nvPr>
+        </p:nvSpPr>
+        <p:spPr/>
+      </p:sp>
+      <p:sp>
+        <p:nvSpPr>
+          <p:cNvPr id="3" name="Notes Placeholder 2"/>
+          <p:cNvSpPr>
+            <a:spLocks noGrp="1"/>
+          </p:cNvSpPr>
+          <p:nvPr>
+            <p:ph type="body" idx="1"/>
+          </p:nvPr>
+        </p:nvSpPr>
+        <p:spPr/>
+        <p:txBody>
+          <a:bodyPr/>
+          <a:lstStyle/>
+          <a:p>
+            <a:r>
+              <a:rPr lang="en-US" dirty="0" smtClean="0"/>
+              <a:t>-- took </a:t>
+            </a:r>
+            <a:r>
+              <a:rPr lang="en-US" smtClean="0"/>
+              <a:t>8 minutes to here</a:t>
+            </a:r>
+            <a:endParaRPr lang="en-US"/>
+          </a:p>
+        </p:txBody>
+      </p:sp>
+      <p:sp>
+        <p:nvSpPr>
+          <p:cNvPr id="4" name="Slide Number Placeholder 3"/>
+          <p:cNvSpPr>
+            <a:spLocks noGrp="1"/>
+          </p:cNvSpPr>
+          <p:nvPr>
+            <p:ph type="sldNum" sz="quarter" idx="10"/>
+          </p:nvPr>
+        </p:nvSpPr>
+        <p:spPr/>
+        <p:txBody>
+          <a:bodyPr/>
+          <a:lstStyle/>
+          <a:p>
+            <a:fld id="{86E298D3-FAEC-4429-BBB2-6E24FE792F56}" type="slidenum">
+              <a:rPr lang="en-US" smtClean="0"/>
+              <a:t>15</a:t>
+            </a:fld>
+            <a:endParaRPr lang="en-US" dirty="0"/>
+          </a:p>
+        </p:txBody>
+      </p:sp>
+    </p:spTree>
+    <p:extLst>
+      <p:ext uri="{BB962C8B-B14F-4D97-AF65-F5344CB8AC3E}">
+        <p14:creationId xmlns:p14="http://schemas.microsoft.com/office/powerpoint/2010/main" val="2512396616"/>
+      </p:ext>
+    </p:extLst>
+  </p:cSld>
+  <p:clrMapOvr>
+    <a:masterClrMapping/>
+  </p:clrMapOvr>
+</p:notes>
+</file>
+
+<file path=ppt/notesSlides/notesSlide8.xml><?xml version="1.0" encoding="utf-8"?>
+<p:notes xmlns:a="http://schemas.openxmlformats.org/drawingml/2006/main" xmlns:r="http://schemas.openxmlformats.org/officeDocument/2006/relationships" xmlns:p="http://schemas.openxmlformats.org/presentationml/2006/main">
+  <p:cSld>
+    <p:spTree>
+      <p:nvGrpSpPr>
+        <p:cNvPr id="1" name=""/>
+        <p:cNvGrpSpPr/>
+        <p:nvPr/>
+      </p:nvGrpSpPr>
+      <p:grpSpPr>
+        <a:xfrm>
+          <a:off x="0" y="0"/>
+          <a:ext cx="0" cy="0"/>
+          <a:chOff x="0" y="0"/>
+          <a:chExt cx="0" cy="0"/>
+        </a:xfrm>
+      </p:grpSpPr>
+      <p:sp>
+        <p:nvSpPr>
+          <p:cNvPr id="2" name="Slide Image Placeholder 1"/>
+          <p:cNvSpPr>
+            <a:spLocks noGrp="1" noRot="1" noChangeAspect="1"/>
+          </p:cNvSpPr>
+          <p:nvPr>
+            <p:ph type="sldImg"/>
+          </p:nvPr>
+        </p:nvSpPr>
+        <p:spPr/>
+      </p:sp>
+      <p:sp>
+        <p:nvSpPr>
+          <p:cNvPr id="3" name="Notes Placeholder 2"/>
+          <p:cNvSpPr>
+            <a:spLocks noGrp="1"/>
+          </p:cNvSpPr>
+          <p:nvPr>
+            <p:ph type="body" idx="1"/>
+          </p:nvPr>
+        </p:nvSpPr>
+        <p:spPr/>
+        <p:txBody>
+          <a:bodyPr/>
+          <a:lstStyle/>
+          <a:p>
+            <a:r>
+              <a:rPr lang="en-US" dirty="0" smtClean="0"/>
+              <a:t>-- must be running with</a:t>
+            </a:r>
+            <a:r>
+              <a:rPr lang="en-US" baseline="0" dirty="0" smtClean="0"/>
+              <a:t> administrator privilege to have install add PATH </a:t>
+            </a:r>
+          </a:p>
+          <a:p>
+            <a:r>
+              <a:rPr lang="en-US" baseline="0" dirty="0" smtClean="0"/>
+              <a:t>-- still must have admin to add it later</a:t>
+            </a:r>
+            <a:endParaRPr lang="en-US" dirty="0" smtClean="0"/>
+          </a:p>
+          <a:p>
+            <a:endParaRPr lang="en-US" dirty="0"/>
+          </a:p>
+        </p:txBody>
+      </p:sp>
+      <p:sp>
+        <p:nvSpPr>
+          <p:cNvPr id="4" name="Slide Number Placeholder 3"/>
+          <p:cNvSpPr>
+            <a:spLocks noGrp="1"/>
+          </p:cNvSpPr>
+          <p:nvPr>
+            <p:ph type="sldNum" sz="quarter" idx="10"/>
+          </p:nvPr>
+        </p:nvSpPr>
+        <p:spPr/>
+        <p:txBody>
+          <a:bodyPr/>
+          <a:lstStyle/>
+          <a:p>
+            <a:fld id="{86E298D3-FAEC-4429-BBB2-6E24FE792F56}" type="slidenum">
+              <a:rPr lang="en-US" smtClean="0"/>
+              <a:t>20</a:t>
+            </a:fld>
+            <a:endParaRPr lang="en-US" dirty="0"/>
+          </a:p>
+        </p:txBody>
+      </p:sp>
+    </p:spTree>
+    <p:extLst>
+      <p:ext uri="{BB962C8B-B14F-4D97-AF65-F5344CB8AC3E}">
+        <p14:creationId xmlns:p14="http://schemas.microsoft.com/office/powerpoint/2010/main" val="1125057862"/>
+      </p:ext>
+    </p:extLst>
+  </p:cSld>
+  <p:clrMapOvr>
+    <a:masterClrMapping/>
+  </p:clrMapOvr>
+</p:notes>
+</file>
+
+<file path=ppt/notesSlides/notesSlide9.xml><?xml version="1.0" encoding="utf-8"?>
+<p:notes xmlns:a="http://schemas.openxmlformats.org/drawingml/2006/main" xmlns:r="http://schemas.openxmlformats.org/officeDocument/2006/relationships" xmlns:p="http://schemas.openxmlformats.org/presentationml/2006/main">
+  <p:cSld>
+    <p:spTree>
+      <p:nvGrpSpPr>
+        <p:cNvPr id="1" name=""/>
+        <p:cNvGrpSpPr/>
+        <p:nvPr/>
+      </p:nvGrpSpPr>
+      <p:grpSpPr>
+        <a:xfrm>
+          <a:off x="0" y="0"/>
+          <a:ext cx="0" cy="0"/>
+          <a:chOff x="0" y="0"/>
+          <a:chExt cx="0" cy="0"/>
+        </a:xfrm>
+      </p:grpSpPr>
+      <p:sp>
+        <p:nvSpPr>
+          <p:cNvPr id="2" name="Slide Image Placeholder 1"/>
+          <p:cNvSpPr>
+            <a:spLocks noGrp="1" noRot="1" noChangeAspect="1"/>
+          </p:cNvSpPr>
+          <p:nvPr>
+            <p:ph type="sldImg"/>
+          </p:nvPr>
+        </p:nvSpPr>
+        <p:spPr/>
+      </p:sp>
+      <p:sp>
+        <p:nvSpPr>
+          <p:cNvPr id="3" name="Notes Placeholder 2"/>
+          <p:cNvSpPr>
+            <a:spLocks noGrp="1"/>
+          </p:cNvSpPr>
+          <p:nvPr>
+            <p:ph type="body" idx="1"/>
+          </p:nvPr>
+        </p:nvSpPr>
+        <p:spPr/>
+        <p:txBody>
+          <a:bodyPr/>
+          <a:lstStyle/>
+          <a:p>
+            <a:r>
+              <a:rPr lang="en-US" dirty="0" smtClean="0"/>
+              <a:t>-- took 31 minutes to here </a:t>
+            </a:r>
+            <a:endParaRPr lang="en-US" dirty="0"/>
+          </a:p>
+        </p:txBody>
+      </p:sp>
+      <p:sp>
+        <p:nvSpPr>
+          <p:cNvPr id="4" name="Slide Number Placeholder 3"/>
+          <p:cNvSpPr>
+            <a:spLocks noGrp="1"/>
+          </p:cNvSpPr>
+          <p:nvPr>
+            <p:ph type="sldNum" sz="quarter" idx="10"/>
+          </p:nvPr>
+        </p:nvSpPr>
+        <p:spPr/>
+        <p:txBody>
+          <a:bodyPr/>
+          <a:lstStyle/>
+          <a:p>
+            <a:fld id="{86E298D3-FAEC-4429-BBB2-6E24FE792F56}" type="slidenum">
+              <a:rPr lang="en-US" smtClean="0"/>
+              <a:t>25</a:t>
+            </a:fld>
+            <a:endParaRPr lang="en-US" dirty="0"/>
+          </a:p>
+        </p:txBody>
+      </p:sp>
+    </p:spTree>
+    <p:extLst>
+      <p:ext uri="{BB962C8B-B14F-4D97-AF65-F5344CB8AC3E}">
+        <p14:creationId xmlns:p14="http://schemas.microsoft.com/office/powerpoint/2010/main" val="3778227050"/>
       </p:ext>
     </p:extLst>
   </p:cSld>
@@ -14000,7 +14379,7 @@
           <p:nvPr/>
         </p:nvPicPr>
         <p:blipFill>
-          <a:blip r:embed="rId2"/>
+          <a:blip r:embed="rId3"/>
           <a:stretch>
             <a:fillRect/>
           </a:stretch>
@@ -15967,7 +16346,7 @@
           <p:nvPr/>
         </p:nvPicPr>
         <p:blipFill>
-          <a:blip r:embed="rId2"/>
+          <a:blip r:embed="rId3"/>
           <a:stretch>
             <a:fillRect/>
           </a:stretch>
@@ -17524,7 +17903,7 @@
           <p:nvPr/>
         </p:nvPicPr>
         <p:blipFill>
-          <a:blip r:embed="rId2"/>
+          <a:blip r:embed="rId3"/>
           <a:stretch>
             <a:fillRect/>
           </a:stretch>
@@ -17739,11 +18118,7 @@
             </a:pPr>
             <a:r>
               <a:rPr lang="en-US" sz="1600" dirty="0" smtClean="0"/>
-              <a:t>edit to </a:t>
-            </a:r>
-            <a:r>
-              <a:rPr lang="en-US" sz="1600" dirty="0" smtClean="0"/>
-              <a:t>tell </a:t>
+              <a:t>edit to tell </a:t>
             </a:r>
             <a:r>
               <a:rPr lang="en-US" sz="1600" dirty="0" err="1" smtClean="0"/>
@@ -17751,11 +18126,7 @@
             </a:r>
             <a:r>
               <a:rPr lang="en-US" sz="1600" dirty="0" smtClean="0"/>
-              <a:t> to include </a:t>
-            </a:r>
-            <a:r>
-              <a:rPr lang="en-US" sz="1600" dirty="0" smtClean="0"/>
-              <a:t>support for Windows x64</a:t>
+              <a:t> to include support for Windows x64</a:t>
             </a:r>
           </a:p>
           <a:p>
@@ -19897,7 +20268,7 @@
           <p:nvPr/>
         </p:nvPicPr>
         <p:blipFill>
-          <a:blip r:embed="rId2"/>
+          <a:blip r:embed="rId3"/>
           <a:stretch>
             <a:fillRect/>
           </a:stretch>
